--- a/first-steps-copilot-excel.pptx
+++ b/first-steps-copilot-excel.pptx
@@ -5,27 +5,28 @@
     <p:sldMasterId id="2147483648" r:id="rId1"/>
   </p:sldMasterIdLst>
   <p:notesMasterIdLst>
-    <p:notesMasterId r:id="rId10"/>
+    <p:notesMasterId r:id="rId11"/>
   </p:notesMasterIdLst>
   <p:sldIdLst>
     <p:sldId id="256" r:id="rId2"/>
     <p:sldId id="425" r:id="rId3"/>
     <p:sldId id="426" r:id="rId4"/>
-    <p:sldId id="414" r:id="rId5"/>
-    <p:sldId id="434" r:id="rId6"/>
-    <p:sldId id="435" r:id="rId7"/>
-    <p:sldId id="436" r:id="rId8"/>
-    <p:sldId id="427" r:id="rId9"/>
+    <p:sldId id="437" r:id="rId5"/>
+    <p:sldId id="414" r:id="rId6"/>
+    <p:sldId id="434" r:id="rId7"/>
+    <p:sldId id="435" r:id="rId8"/>
+    <p:sldId id="436" r:id="rId9"/>
+    <p:sldId id="427" r:id="rId10"/>
   </p:sldIdLst>
   <p:sldSz cx="18288000" cy="10287000"/>
   <p:notesSz cx="6858000" cy="9144000"/>
   <p:embeddedFontLst>
     <p:embeddedFont>
       <p:font typeface="Consolas" panose="020B0609020204030204" pitchFamily="49" charset="0"/>
-      <p:regular r:id="rId11"/>
-      <p:bold r:id="rId12"/>
-      <p:italic r:id="rId13"/>
-      <p:boldItalic r:id="rId14"/>
+      <p:regular r:id="rId12"/>
+      <p:bold r:id="rId13"/>
+      <p:italic r:id="rId14"/>
+      <p:boldItalic r:id="rId15"/>
     </p:embeddedFont>
   </p:embeddedFontLst>
   <p:defaultTextStyle>
@@ -622,7 +623,7 @@
           <a:p>
             <a:fld id="{1300335D-9F13-4B80-ADC5-B0EA3E10FF6B}" type="slidenum">
               <a:rPr lang="en-US" smtClean="0"/>
-              <a:t>5</a:t>
+              <a:t>6</a:t>
             </a:fld>
             <a:endParaRPr lang="en-US"/>
           </a:p>
@@ -754,7 +755,7 @@
           <a:p>
             <a:fld id="{1300335D-9F13-4B80-ADC5-B0EA3E10FF6B}" type="slidenum">
               <a:rPr lang="en-US" smtClean="0"/>
-              <a:t>6</a:t>
+              <a:t>7</a:t>
             </a:fld>
             <a:endParaRPr lang="en-US"/>
           </a:p>
@@ -886,7 +887,7 @@
           <a:p>
             <a:fld id="{1300335D-9F13-4B80-ADC5-B0EA3E10FF6B}" type="slidenum">
               <a:rPr lang="en-US" smtClean="0"/>
-              <a:t>7</a:t>
+              <a:t>8</a:t>
             </a:fld>
             <a:endParaRPr lang="en-US"/>
           </a:p>
@@ -4577,6 +4578,242 @@
   <p:cSld>
     <p:spTree>
       <p:nvGrpSpPr>
+        <p:cNvPr id="1" name="">
+          <a:extLst>
+            <a:ext uri="{FF2B5EF4-FFF2-40B4-BE49-F238E27FC236}">
+              <a16:creationId xmlns:a16="http://schemas.microsoft.com/office/drawing/2014/main" id="{CCF95204-9753-DC33-EBC9-515C42CDE332}"/>
+            </a:ext>
+          </a:extLst>
+        </p:cNvPr>
+        <p:cNvGrpSpPr/>
+        <p:nvPr/>
+      </p:nvGrpSpPr>
+      <p:grpSpPr>
+        <a:xfrm>
+          <a:off x="0" y="0"/>
+          <a:ext cx="0" cy="0"/>
+          <a:chOff x="0" y="0"/>
+          <a:chExt cx="0" cy="0"/>
+        </a:xfrm>
+      </p:grpSpPr>
+      <p:sp>
+        <p:nvSpPr>
+          <p:cNvPr id="11" name="TextBox 10">
+            <a:extLst>
+              <a:ext uri="{FF2B5EF4-FFF2-40B4-BE49-F238E27FC236}">
+                <a16:creationId xmlns:a16="http://schemas.microsoft.com/office/drawing/2014/main" id="{CFFC0686-6D4E-D4A9-1684-0261C35ABD86}"/>
+              </a:ext>
+            </a:extLst>
+          </p:cNvPr>
+          <p:cNvSpPr txBox="1"/>
+          <p:nvPr/>
+        </p:nvSpPr>
+        <p:spPr>
+          <a:xfrm>
+            <a:off x="520861" y="170082"/>
+            <a:ext cx="11979797" cy="1477328"/>
+          </a:xfrm>
+          <a:prstGeom prst="rect">
+            <a:avLst/>
+          </a:prstGeom>
+          <a:noFill/>
+        </p:spPr>
+        <p:txBody>
+          <a:bodyPr wrap="square" rtlCol="0">
+            <a:spAutoFit/>
+          </a:bodyPr>
+          <a:lstStyle/>
+          <a:p>
+            <a:r>
+              <a:rPr lang="en-US" sz="9000" dirty="0">
+                <a:latin typeface="Aliens &amp; cows" panose="00000500000000000000" pitchFamily="2" charset="0"/>
+              </a:rPr>
+              <a:t>Product availability</a:t>
+            </a:r>
+          </a:p>
+        </p:txBody>
+      </p:sp>
+      <p:sp>
+        <p:nvSpPr>
+          <p:cNvPr id="3" name="TextBox 2">
+            <a:extLst>
+              <a:ext uri="{FF2B5EF4-FFF2-40B4-BE49-F238E27FC236}">
+                <a16:creationId xmlns:a16="http://schemas.microsoft.com/office/drawing/2014/main" id="{2148E5CB-07F7-C6C8-3B69-13AEECA63DD1}"/>
+              </a:ext>
+            </a:extLst>
+          </p:cNvPr>
+          <p:cNvSpPr txBox="1"/>
+          <p:nvPr/>
+        </p:nvSpPr>
+        <p:spPr>
+          <a:xfrm>
+            <a:off x="520861" y="3191948"/>
+            <a:ext cx="14393120" cy="3754874"/>
+          </a:xfrm>
+          <a:prstGeom prst="rect">
+            <a:avLst/>
+          </a:prstGeom>
+          <a:noFill/>
+        </p:spPr>
+        <p:txBody>
+          <a:bodyPr wrap="square" rtlCol="0">
+            <a:spAutoFit/>
+          </a:bodyPr>
+          <a:lstStyle/>
+          <a:p>
+            <a:pPr marL="685800" indent="-685800">
+              <a:buClr>
+                <a:srgbClr val="CF3338"/>
+              </a:buClr>
+              <a:buFont typeface="Arial" panose="020B0604020202020204" pitchFamily="34" charset="0"/>
+              <a:buChar char="•"/>
+            </a:pPr>
+            <a:r>
+              <a:rPr lang="en-US" sz="4200" dirty="0">
+                <a:solidFill>
+                  <a:srgbClr val="707070"/>
+                </a:solidFill>
+                <a:latin typeface="Pragmatica" panose="020B0403040502020204" pitchFamily="34" charset="0"/>
+              </a:rPr>
+              <a:t>Microsoft 365 Copilot: </a:t>
+            </a:r>
+            <a:r>
+              <a:rPr lang="en-US" sz="4200" dirty="0">
+                <a:solidFill>
+                  <a:srgbClr val="CF3338"/>
+                </a:solidFill>
+                <a:latin typeface="Pragmatica" panose="020B0403040502020204" pitchFamily="34" charset="0"/>
+                <a:hlinkClick r:id="rId2">
+                  <a:extLst>
+                    <a:ext uri="{A12FA001-AC4F-418D-AE19-62706E023703}">
+                      <ahyp:hlinkClr xmlns:ahyp="http://schemas.microsoft.com/office/drawing/2018/hyperlinkcolor" val="tx"/>
+                    </a:ext>
+                  </a:extLst>
+                </a:hlinkClick>
+              </a:rPr>
+              <a:t>https://www.microsoft.com/en-us/microsoft-365/copilot</a:t>
+            </a:r>
+            <a:endParaRPr lang="en-US" sz="4200" dirty="0">
+              <a:solidFill>
+                <a:srgbClr val="CF3338"/>
+              </a:solidFill>
+              <a:latin typeface="Pragmatica" panose="020B0403040502020204" pitchFamily="34" charset="0"/>
+            </a:endParaRPr>
+          </a:p>
+          <a:p>
+            <a:pPr marL="685800" indent="-685800">
+              <a:buClr>
+                <a:srgbClr val="CF3338"/>
+              </a:buClr>
+              <a:buFont typeface="Arial" panose="020B0604020202020204" pitchFamily="34" charset="0"/>
+              <a:buChar char="•"/>
+            </a:pPr>
+            <a:r>
+              <a:rPr lang="en-US" sz="4200" dirty="0">
+                <a:solidFill>
+                  <a:srgbClr val="707070"/>
+                </a:solidFill>
+                <a:latin typeface="Pragmatica" panose="020B0403040502020204" pitchFamily="34" charset="0"/>
+              </a:rPr>
+              <a:t>Advanced Analysis with Copilot requires Insiders: </a:t>
+            </a:r>
+            <a:r>
+              <a:rPr lang="en-US" sz="4200" dirty="0">
+                <a:solidFill>
+                  <a:srgbClr val="CF3338"/>
+                </a:solidFill>
+                <a:latin typeface="Pragmatica" panose="020B0403040502020204" pitchFamily="34" charset="0"/>
+                <a:hlinkClick r:id="rId3">
+                  <a:extLst>
+                    <a:ext uri="{A12FA001-AC4F-418D-AE19-62706E023703}">
+                      <ahyp:hlinkClr xmlns:ahyp="http://schemas.microsoft.com/office/drawing/2018/hyperlinkcolor" val="tx"/>
+                    </a:ext>
+                  </a:extLst>
+                </a:hlinkClick>
+              </a:rPr>
+              <a:t>https://techcommunity.microsoft.com/t5/excel-blog/python-in-excel-available-now/ba-p/4240212</a:t>
+            </a:r>
+            <a:r>
+              <a:rPr lang="en-US" sz="4200" dirty="0">
+                <a:solidFill>
+                  <a:srgbClr val="CF3338"/>
+                </a:solidFill>
+                <a:latin typeface="Pragmatica" panose="020B0403040502020204" pitchFamily="34" charset="0"/>
+              </a:rPr>
+              <a:t> </a:t>
+            </a:r>
+          </a:p>
+          <a:p>
+            <a:pPr marL="685800" indent="-685800">
+              <a:buClr>
+                <a:srgbClr val="CF3338"/>
+              </a:buClr>
+              <a:buFont typeface="Arial" panose="020B0604020202020204" pitchFamily="34" charset="0"/>
+              <a:buChar char="•"/>
+            </a:pPr>
+            <a:endParaRPr lang="en-US" sz="2800" dirty="0">
+              <a:solidFill>
+                <a:srgbClr val="707070"/>
+              </a:solidFill>
+              <a:latin typeface="Pragmatica" panose="020B0403040502020204"/>
+            </a:endParaRPr>
+          </a:p>
+        </p:txBody>
+      </p:sp>
+      <p:pic>
+        <p:nvPicPr>
+          <p:cNvPr id="15" name="Picture 14" descr="A close up of a sign&#10;&#10;Description automatically generated">
+            <a:extLst>
+              <a:ext uri="{FF2B5EF4-FFF2-40B4-BE49-F238E27FC236}">
+                <a16:creationId xmlns:a16="http://schemas.microsoft.com/office/drawing/2014/main" id="{62AC2870-BAE8-A540-1113-0B2F8E693FBF}"/>
+              </a:ext>
+            </a:extLst>
+          </p:cNvPr>
+          <p:cNvPicPr>
+            <a:picLocks noChangeAspect="1"/>
+          </p:cNvPicPr>
+          <p:nvPr/>
+        </p:nvPicPr>
+        <p:blipFill>
+          <a:blip r:embed="rId4">
+            <a:extLst>
+              <a:ext uri="{28A0092B-C50C-407E-A947-70E740481C1C}">
+                <a14:useLocalDpi xmlns:a14="http://schemas.microsoft.com/office/drawing/2010/main" val="0"/>
+              </a:ext>
+            </a:extLst>
+          </a:blip>
+          <a:stretch>
+            <a:fillRect/>
+          </a:stretch>
+        </p:blipFill>
+        <p:spPr>
+          <a:xfrm>
+            <a:off x="16341036" y="8058429"/>
+            <a:ext cx="1942857" cy="2228571"/>
+          </a:xfrm>
+          <a:prstGeom prst="rect">
+            <a:avLst/>
+          </a:prstGeom>
+        </p:spPr>
+      </p:pic>
+    </p:spTree>
+    <p:extLst>
+      <p:ext uri="{BB962C8B-B14F-4D97-AF65-F5344CB8AC3E}">
+        <p14:creationId xmlns:p14="http://schemas.microsoft.com/office/powerpoint/2010/main" val="3545219855"/>
+      </p:ext>
+    </p:extLst>
+  </p:cSld>
+  <p:clrMapOvr>
+    <a:masterClrMapping/>
+  </p:clrMapOvr>
+</p:sld>
+</file>
+
+<file path=ppt/slides/slide5.xml><?xml version="1.0" encoding="utf-8"?>
+<p:sld xmlns:a="http://schemas.openxmlformats.org/drawingml/2006/main" xmlns:r="http://schemas.openxmlformats.org/officeDocument/2006/relationships" xmlns:p="http://schemas.openxmlformats.org/presentationml/2006/main">
+  <p:cSld>
+    <p:spTree>
+      <p:nvGrpSpPr>
         <p:cNvPr id="1" name=""/>
         <p:cNvGrpSpPr/>
         <p:nvPr/>
@@ -4730,7 +4967,7 @@
 </p:sld>
 </file>
 
-<file path=ppt/slides/slide5.xml><?xml version="1.0" encoding="utf-8"?>
+<file path=ppt/slides/slide6.xml><?xml version="1.0" encoding="utf-8"?>
 <p:sld xmlns:a="http://schemas.openxmlformats.org/drawingml/2006/main" xmlns:r="http://schemas.openxmlformats.org/officeDocument/2006/relationships" xmlns:p="http://schemas.openxmlformats.org/presentationml/2006/main">
   <p:cSld>
     <p:spTree>
@@ -4969,7 +5206,7 @@
 </p:sld>
 </file>
 
-<file path=ppt/slides/slide6.xml><?xml version="1.0" encoding="utf-8"?>
+<file path=ppt/slides/slide7.xml><?xml version="1.0" encoding="utf-8"?>
 <p:sld xmlns:a="http://schemas.openxmlformats.org/drawingml/2006/main" xmlns:r="http://schemas.openxmlformats.org/officeDocument/2006/relationships" xmlns:p="http://schemas.openxmlformats.org/presentationml/2006/main">
   <p:cSld>
     <p:spTree>
@@ -5199,7 +5436,7 @@
 </p:sld>
 </file>
 
-<file path=ppt/slides/slide7.xml><?xml version="1.0" encoding="utf-8"?>
+<file path=ppt/slides/slide8.xml><?xml version="1.0" encoding="utf-8"?>
 <p:sld xmlns:a="http://schemas.openxmlformats.org/drawingml/2006/main" xmlns:r="http://schemas.openxmlformats.org/officeDocument/2006/relationships" xmlns:p="http://schemas.openxmlformats.org/presentationml/2006/main">
   <p:cSld>
     <p:spTree>
@@ -5409,7 +5646,7 @@
 </p:sld>
 </file>
 
-<file path=ppt/slides/slide8.xml><?xml version="1.0" encoding="utf-8"?>
+<file path=ppt/slides/slide9.xml><?xml version="1.0" encoding="utf-8"?>
 <p:sld xmlns:a="http://schemas.openxmlformats.org/drawingml/2006/main" xmlns:r="http://schemas.openxmlformats.org/officeDocument/2006/relationships" xmlns:p="http://schemas.openxmlformats.org/presentationml/2006/main">
   <p:cSld>
     <p:spTree>

--- a/first-steps-copilot-excel.pptx
+++ b/first-steps-copilot-excel.pptx
@@ -243,7 +243,7 @@
           <a:p>
             <a:fld id="{17A98A70-FA8C-4354-959C-C70678AC9BCF}" type="datetimeFigureOut">
               <a:rPr lang="en-US" smtClean="0"/>
-              <a:t>10/22/2024</a:t>
+              <a:t>10/25/2024</a:t>
             </a:fld>
             <a:endParaRPr lang="en-US"/>
           </a:p>
@@ -1086,7 +1086,7 @@
             <a:fld id="{1D8BD707-D9CF-40AE-B4C6-C98DA3205C09}" type="datetimeFigureOut">
               <a:rPr lang="en-US" smtClean="0"/>
               <a:pPr/>
-              <a:t>10/22/2024</a:t>
+              <a:t>10/25/2024</a:t>
             </a:fld>
             <a:endParaRPr lang="en-US"/>
           </a:p>
@@ -1251,7 +1251,7 @@
             <a:fld id="{1D8BD707-D9CF-40AE-B4C6-C98DA3205C09}" type="datetimeFigureOut">
               <a:rPr lang="en-US" smtClean="0"/>
               <a:pPr/>
-              <a:t>10/22/2024</a:t>
+              <a:t>10/25/2024</a:t>
             </a:fld>
             <a:endParaRPr lang="en-US"/>
           </a:p>
@@ -1426,7 +1426,7 @@
             <a:fld id="{1D8BD707-D9CF-40AE-B4C6-C98DA3205C09}" type="datetimeFigureOut">
               <a:rPr lang="en-US" smtClean="0"/>
               <a:pPr/>
-              <a:t>10/22/2024</a:t>
+              <a:t>10/25/2024</a:t>
             </a:fld>
             <a:endParaRPr lang="en-US"/>
           </a:p>
@@ -1591,7 +1591,7 @@
             <a:fld id="{1D8BD707-D9CF-40AE-B4C6-C98DA3205C09}" type="datetimeFigureOut">
               <a:rPr lang="en-US" smtClean="0"/>
               <a:pPr/>
-              <a:t>10/22/2024</a:t>
+              <a:t>10/25/2024</a:t>
             </a:fld>
             <a:endParaRPr lang="en-US"/>
           </a:p>
@@ -1833,7 +1833,7 @@
             <a:fld id="{1D8BD707-D9CF-40AE-B4C6-C98DA3205C09}" type="datetimeFigureOut">
               <a:rPr lang="en-US" smtClean="0"/>
               <a:pPr/>
-              <a:t>10/22/2024</a:t>
+              <a:t>10/25/2024</a:t>
             </a:fld>
             <a:endParaRPr lang="en-US"/>
           </a:p>
@@ -2115,7 +2115,7 @@
             <a:fld id="{1D8BD707-D9CF-40AE-B4C6-C98DA3205C09}" type="datetimeFigureOut">
               <a:rPr lang="en-US" smtClean="0"/>
               <a:pPr/>
-              <a:t>10/22/2024</a:t>
+              <a:t>10/25/2024</a:t>
             </a:fld>
             <a:endParaRPr lang="en-US"/>
           </a:p>
@@ -2531,7 +2531,7 @@
             <a:fld id="{1D8BD707-D9CF-40AE-B4C6-C98DA3205C09}" type="datetimeFigureOut">
               <a:rPr lang="en-US" smtClean="0"/>
               <a:pPr/>
-              <a:t>10/22/2024</a:t>
+              <a:t>10/25/2024</a:t>
             </a:fld>
             <a:endParaRPr lang="en-US"/>
           </a:p>
@@ -2645,7 +2645,7 @@
             <a:fld id="{1D8BD707-D9CF-40AE-B4C6-C98DA3205C09}" type="datetimeFigureOut">
               <a:rPr lang="en-US" smtClean="0"/>
               <a:pPr/>
-              <a:t>10/22/2024</a:t>
+              <a:t>10/25/2024</a:t>
             </a:fld>
             <a:endParaRPr lang="en-US"/>
           </a:p>
@@ -2737,7 +2737,7 @@
             <a:fld id="{1D8BD707-D9CF-40AE-B4C6-C98DA3205C09}" type="datetimeFigureOut">
               <a:rPr lang="en-US" smtClean="0"/>
               <a:pPr/>
-              <a:t>10/22/2024</a:t>
+              <a:t>10/25/2024</a:t>
             </a:fld>
             <a:endParaRPr lang="en-US"/>
           </a:p>
@@ -3009,7 +3009,7 @@
             <a:fld id="{1D8BD707-D9CF-40AE-B4C6-C98DA3205C09}" type="datetimeFigureOut">
               <a:rPr lang="en-US" smtClean="0"/>
               <a:pPr/>
-              <a:t>10/22/2024</a:t>
+              <a:t>10/25/2024</a:t>
             </a:fld>
             <a:endParaRPr lang="en-US"/>
           </a:p>
@@ -3258,7 +3258,7 @@
             <a:fld id="{1D8BD707-D9CF-40AE-B4C6-C98DA3205C09}" type="datetimeFigureOut">
               <a:rPr lang="en-US" smtClean="0"/>
               <a:pPr/>
-              <a:t>10/22/2024</a:t>
+              <a:t>10/25/2024</a:t>
             </a:fld>
             <a:endParaRPr lang="en-US"/>
           </a:p>
@@ -3471,7 +3471,7 @@
             <a:fld id="{1D8BD707-D9CF-40AE-B4C6-C98DA3205C09}" type="datetimeFigureOut">
               <a:rPr lang="en-US" smtClean="0"/>
               <a:pPr/>
-              <a:t>10/22/2024</a:t>
+              <a:t>10/25/2024</a:t>
             </a:fld>
             <a:endParaRPr lang="en-US"/>
           </a:p>
@@ -4648,7 +4648,7 @@
         <p:spPr>
           <a:xfrm>
             <a:off x="520861" y="3191948"/>
-            <a:ext cx="14393120" cy="3754874"/>
+            <a:ext cx="14393120" cy="5047536"/>
           </a:xfrm>
           <a:prstGeom prst="rect">
             <a:avLst/>
@@ -4741,6 +4741,26 @@
                 <a:latin typeface="Pragmatica" panose="020B0403040502020204" pitchFamily="34" charset="0"/>
               </a:rPr>
               <a:t> </a:t>
+            </a:r>
+          </a:p>
+          <a:p>
+            <a:pPr marL="685800" indent="-685800">
+              <a:buClr>
+                <a:srgbClr val="CF3338"/>
+              </a:buClr>
+              <a:buFont typeface="Arial" panose="020B0604020202020204" pitchFamily="34" charset="0"/>
+              <a:buChar char="•"/>
+            </a:pPr>
+            <a:r>
+              <a:rPr lang="en-US" sz="4200" b="1" dirty="0">
+                <a:solidFill>
+                  <a:schemeClr val="bg1">
+                    <a:lumMod val="50000"/>
+                  </a:schemeClr>
+                </a:solidFill>
+                <a:latin typeface="Pragmatica" panose="020B0403040502020204" pitchFamily="34" charset="0"/>
+              </a:rPr>
+              <a:t>Follow these pages for product availability and roadmaps for most accurate and up to date information</a:t>
             </a:r>
           </a:p>
           <a:p>
